--- a/topic01-IntelliJ-JVM-and-IO/unit-01a-introduction/talk-3-java-recap/java-recap.pptx
+++ b/topic01-IntelliJ-JVM-and-IO/unit-01a-introduction/talk-3-java-recap/java-recap.pptx
@@ -234,7 +234,7 @@
           <a:p>
             <a:fld id="{56BC3C30-7F3D-4B20-9974-47C57B22CA6E}" type="datetimeFigureOut">
               <a:rPr lang="en-IE" smtClean="0"/>
-              <a:t>14/01/2024</a:t>
+              <a:t>15/01/2026</a:t>
             </a:fld>
             <a:endParaRPr lang="en-IE"/>
           </a:p>
@@ -682,7 +682,7 @@
             <a:fld id="{1D8BD707-D9CF-40AE-B4C6-C98DA3205C09}" type="datetimeFigureOut">
               <a:rPr lang="en-US" smtClean="0"/>
               <a:pPr/>
-              <a:t>1/14/2024</a:t>
+              <a:t>1/15/2026</a:t>
             </a:fld>
             <a:endParaRPr lang="en-US"/>
           </a:p>
@@ -847,7 +847,7 @@
             <a:fld id="{1D8BD707-D9CF-40AE-B4C6-C98DA3205C09}" type="datetimeFigureOut">
               <a:rPr lang="en-US" smtClean="0"/>
               <a:pPr/>
-              <a:t>1/14/2024</a:t>
+              <a:t>1/15/2026</a:t>
             </a:fld>
             <a:endParaRPr lang="en-US"/>
           </a:p>
@@ -1022,7 +1022,7 @@
             <a:fld id="{1D8BD707-D9CF-40AE-B4C6-C98DA3205C09}" type="datetimeFigureOut">
               <a:rPr lang="en-US" smtClean="0"/>
               <a:pPr/>
-              <a:t>1/14/2024</a:t>
+              <a:t>1/15/2026</a:t>
             </a:fld>
             <a:endParaRPr lang="en-US"/>
           </a:p>
@@ -1198,7 +1198,7 @@
             <a:fld id="{1D8BD707-D9CF-40AE-B4C6-C98DA3205C09}" type="datetimeFigureOut">
               <a:rPr lang="en-US" smtClean="0"/>
               <a:pPr/>
-              <a:t>1/14/2024</a:t>
+              <a:t>1/15/2026</a:t>
             </a:fld>
             <a:endParaRPr lang="en-US"/>
           </a:p>
@@ -1478,7 +1478,7 @@
             <a:fld id="{1D8BD707-D9CF-40AE-B4C6-C98DA3205C09}" type="datetimeFigureOut">
               <a:rPr lang="en-US" smtClean="0"/>
               <a:pPr/>
-              <a:t>1/14/2024</a:t>
+              <a:t>1/15/2026</a:t>
             </a:fld>
             <a:endParaRPr lang="en-US"/>
           </a:p>
@@ -1771,7 +1771,7 @@
             <a:fld id="{1D8BD707-D9CF-40AE-B4C6-C98DA3205C09}" type="datetimeFigureOut">
               <a:rPr lang="en-US" smtClean="0"/>
               <a:pPr/>
-              <a:t>1/14/2024</a:t>
+              <a:t>1/15/2026</a:t>
             </a:fld>
             <a:endParaRPr lang="en-US"/>
           </a:p>
@@ -2229,7 +2229,7 @@
             <a:fld id="{1D8BD707-D9CF-40AE-B4C6-C98DA3205C09}" type="datetimeFigureOut">
               <a:rPr lang="en-US" smtClean="0"/>
               <a:pPr/>
-              <a:t>1/14/2024</a:t>
+              <a:t>1/15/2026</a:t>
             </a:fld>
             <a:endParaRPr lang="en-US"/>
           </a:p>
@@ -2389,7 +2389,7 @@
             <a:fld id="{1D8BD707-D9CF-40AE-B4C6-C98DA3205C09}" type="datetimeFigureOut">
               <a:rPr lang="en-US" smtClean="0"/>
               <a:pPr/>
-              <a:t>1/14/2024</a:t>
+              <a:t>1/15/2026</a:t>
             </a:fld>
             <a:endParaRPr lang="en-US"/>
           </a:p>
@@ -2516,7 +2516,7 @@
             <a:fld id="{1D8BD707-D9CF-40AE-B4C6-C98DA3205C09}" type="datetimeFigureOut">
               <a:rPr lang="en-US" smtClean="0"/>
               <a:pPr/>
-              <a:t>1/14/2024</a:t>
+              <a:t>1/15/2026</a:t>
             </a:fld>
             <a:endParaRPr lang="en-US"/>
           </a:p>
@@ -2788,7 +2788,7 @@
             <a:fld id="{1D8BD707-D9CF-40AE-B4C6-C98DA3205C09}" type="datetimeFigureOut">
               <a:rPr lang="en-US" smtClean="0"/>
               <a:pPr/>
-              <a:t>1/14/2024</a:t>
+              <a:t>1/15/2026</a:t>
             </a:fld>
             <a:endParaRPr lang="en-US"/>
           </a:p>
@@ -3037,7 +3037,7 @@
             <a:fld id="{1D8BD707-D9CF-40AE-B4C6-C98DA3205C09}" type="datetimeFigureOut">
               <a:rPr lang="en-US" smtClean="0"/>
               <a:pPr/>
-              <a:t>1/14/2024</a:t>
+              <a:t>1/15/2026</a:t>
             </a:fld>
             <a:endParaRPr lang="en-US"/>
           </a:p>
@@ -3245,7 +3245,7 @@
             <a:fld id="{1D8BD707-D9CF-40AE-B4C6-C98DA3205C09}" type="datetimeFigureOut">
               <a:rPr lang="en-US" smtClean="0"/>
               <a:pPr/>
-              <a:t>1/14/2024</a:t>
+              <a:t>1/15/2026</a:t>
             </a:fld>
             <a:endParaRPr lang="en-US"/>
           </a:p>
@@ -3641,13 +3641,8 @@
             <a:pPr algn="l"/>
             <a:r>
               <a:rPr lang="en-IE" sz="4000" dirty="0"/>
-              <a:t>Recap of </a:t>
-            </a:r>
-            <a:r>
-              <a:rPr lang="en-IE" sz="4000" dirty="0" smtClean="0"/>
-              <a:t>Java Programming Language</a:t>
-            </a:r>
-            <a:endParaRPr lang="en-IE" sz="4000" dirty="0"/>
+              <a:t>Recap of Java Programming Language</a:t>
+            </a:r>
           </a:p>
         </p:txBody>
       </p:sp>
@@ -3777,7 +3772,7 @@
           <a:p>
             <a:pPr algn="l"/>
             <a:r>
-              <a:rPr lang="en-IE" sz="3200" dirty="0" smtClean="0">
+              <a:rPr lang="en-IE" sz="3200" dirty="0">
                 <a:solidFill>
                   <a:schemeClr val="tx1">
                     <a:lumMod val="50000"/>
@@ -3785,18 +3780,7 @@
                   </a:schemeClr>
                 </a:solidFill>
               </a:rPr>
-              <a:t>Variables, selection, iteration and </a:t>
-            </a:r>
-            <a:r>
-              <a:rPr lang="en-IE" sz="3200" dirty="0">
-                <a:solidFill>
-                  <a:schemeClr val="tx1">
-                    <a:lumMod val="50000"/>
-                    <a:lumOff val="50000"/>
-                  </a:schemeClr>
-                </a:solidFill>
-              </a:rPr>
-              <a:t>more.</a:t>
+              <a:t>Variables, selection, iteration and more.</a:t>
             </a:r>
           </a:p>
         </p:txBody>
@@ -4095,69 +4079,58 @@
               <a:rPr lang="en-GB" dirty="0"/>
               <a:t>Iteration in Java</a:t>
             </a:r>
+          </a:p>
+        </p:txBody>
+      </p:sp>
+      <p:sp>
+        <p:nvSpPr>
+          <p:cNvPr id="3" name="Content Placeholder 2"/>
+          <p:cNvSpPr>
+            <a:spLocks noGrp="1"/>
+          </p:cNvSpPr>
+          <p:nvPr>
+            <p:ph idx="1"/>
+          </p:nvPr>
+        </p:nvSpPr>
+        <p:spPr/>
+        <p:txBody>
+          <a:bodyPr/>
+          <a:lstStyle/>
+          <a:p>
+            <a:r>
+              <a:rPr lang="en-GB" dirty="0"/>
+              <a:t>Loops are essential for repeating actions in your code.</a:t>
+            </a:r>
+          </a:p>
+          <a:p>
             <a:endParaRPr lang="en-GB" dirty="0"/>
           </a:p>
-        </p:txBody>
-      </p:sp>
-      <p:sp>
-        <p:nvSpPr>
-          <p:cNvPr id="3" name="Content Placeholder 2"/>
-          <p:cNvSpPr>
-            <a:spLocks noGrp="1"/>
-          </p:cNvSpPr>
-          <p:nvPr>
-            <p:ph idx="1"/>
-          </p:nvPr>
-        </p:nvSpPr>
-        <p:spPr/>
-        <p:txBody>
-          <a:bodyPr/>
-          <a:lstStyle/>
           <a:p>
             <a:r>
               <a:rPr lang="en-GB" dirty="0"/>
-              <a:t>Loops are essential for repeating actions in your code</a:t>
-            </a:r>
-            <a:r>
-              <a:rPr lang="en-GB" dirty="0" smtClean="0"/>
-              <a:t>.</a:t>
-            </a:r>
-          </a:p>
-          <a:p>
-            <a:endParaRPr lang="en-GB" dirty="0"/>
-          </a:p>
-          <a:p>
-            <a:r>
-              <a:rPr lang="en-GB" dirty="0" smtClean="0"/>
               <a:t>We learnt about :</a:t>
             </a:r>
           </a:p>
           <a:p>
             <a:pPr lvl="1"/>
             <a:r>
-              <a:rPr lang="en-GB" dirty="0" smtClean="0"/>
+              <a:rPr lang="en-GB" dirty="0"/>
               <a:t>for loop</a:t>
             </a:r>
           </a:p>
           <a:p>
             <a:pPr lvl="1"/>
             <a:r>
-              <a:rPr lang="en-GB" dirty="0" smtClean="0"/>
+              <a:rPr lang="en-GB" dirty="0"/>
               <a:t>while loop </a:t>
             </a:r>
-            <a:endParaRPr lang="en-GB" dirty="0"/>
           </a:p>
           <a:p>
             <a:pPr lvl="1"/>
             <a:r>
-              <a:rPr lang="en-GB" dirty="0" smtClean="0"/>
-              <a:t>do-while </a:t>
-            </a:r>
-            <a:r>
               <a:rPr lang="en-GB" dirty="0"/>
-              <a:t>loop.</a:t>
-            </a:r>
-            <a:endParaRPr lang="en-GB" dirty="0"/>
+              <a:t>do-while loop.</a:t>
+            </a:r>
           </a:p>
         </p:txBody>
       </p:sp>
@@ -4207,10 +4180,9 @@
           <a:lstStyle/>
           <a:p>
             <a:r>
-              <a:rPr lang="en-GB" dirty="0" smtClean="0"/>
+              <a:rPr lang="en-GB" dirty="0"/>
               <a:t>For loop</a:t>
             </a:r>
-            <a:endParaRPr lang="en-GB" dirty="0"/>
           </a:p>
         </p:txBody>
       </p:sp>
@@ -4286,10 +4258,9 @@
           <a:lstStyle/>
           <a:p>
             <a:r>
-              <a:rPr lang="en-GB" dirty="0" smtClean="0"/>
+              <a:rPr lang="en-GB" dirty="0"/>
               <a:t>While Loop</a:t>
             </a:r>
-            <a:endParaRPr lang="en-GB" dirty="0"/>
           </a:p>
         </p:txBody>
       </p:sp>
@@ -4363,10 +4334,9 @@
           <a:lstStyle/>
           <a:p>
             <a:r>
-              <a:rPr lang="en-GB" dirty="0" smtClean="0"/>
+              <a:rPr lang="en-GB" dirty="0"/>
               <a:t>Do - While Loop</a:t>
             </a:r>
-            <a:endParaRPr lang="en-GB" dirty="0"/>
           </a:p>
         </p:txBody>
       </p:sp>
@@ -4440,10 +4410,9 @@
           <a:lstStyle/>
           <a:p>
             <a:r>
-              <a:rPr lang="en-GB" dirty="0" smtClean="0"/>
+              <a:rPr lang="en-GB" dirty="0"/>
               <a:t>Exercise - Loop</a:t>
             </a:r>
-            <a:endParaRPr lang="en-GB" dirty="0"/>
           </a:p>
         </p:txBody>
       </p:sp>
@@ -4474,45 +4443,8 @@
             </a:pPr>
             <a:r>
               <a:rPr lang="en-GB" sz="3600" dirty="0"/>
-              <a:t>Use a </a:t>
-            </a:r>
-            <a:r>
-              <a:rPr lang="en-GB" sz="3600" dirty="0" smtClean="0"/>
-              <a:t>loop </a:t>
-            </a:r>
-            <a:r>
-              <a:rPr lang="en-GB" sz="3600" dirty="0"/>
-              <a:t>to print </a:t>
-            </a:r>
-            <a:r>
-              <a:rPr lang="en-GB" sz="3600" dirty="0" smtClean="0"/>
-              <a:t>the numbers </a:t>
-            </a:r>
-            <a:r>
-              <a:rPr lang="en-GB" sz="3600" dirty="0"/>
-              <a:t>from </a:t>
-            </a:r>
-            <a:r>
-              <a:rPr lang="en-GB" sz="3600" dirty="0" smtClean="0"/>
-              <a:t>1 </a:t>
-            </a:r>
-            <a:r>
-              <a:rPr lang="en-GB" sz="3600" dirty="0"/>
-              <a:t>to </a:t>
-            </a:r>
-            <a:r>
-              <a:rPr lang="en-GB" sz="3600" dirty="0"/>
-              <a:t>5</a:t>
-            </a:r>
-            <a:r>
-              <a:rPr lang="en-GB" sz="3600" dirty="0" smtClean="0"/>
-              <a:t> </a:t>
-            </a:r>
-            <a:r>
-              <a:rPr lang="en-GB" sz="3600" dirty="0"/>
-              <a:t>(inclusive) to the console.</a:t>
-            </a:r>
-            <a:endParaRPr lang="en-GB" sz="3600" dirty="0"/>
+              <a:t>Use a loop to print the numbers from 1 to 5 (inclusive) to the console.</a:t>
+            </a:r>
           </a:p>
         </p:txBody>
       </p:sp>
@@ -4586,10 +4518,9 @@
           <a:lstStyle/>
           <a:p>
             <a:r>
-              <a:rPr lang="en-GB" dirty="0" smtClean="0"/>
+              <a:rPr lang="en-GB" dirty="0"/>
               <a:t>Solution – loop</a:t>
             </a:r>
-            <a:endParaRPr lang="en-GB" dirty="0"/>
           </a:p>
         </p:txBody>
       </p:sp>
@@ -4640,18 +4571,17 @@
           <a:lstStyle/>
           <a:p>
             <a:r>
-              <a:rPr lang="en-GB" sz="4000" dirty="0" smtClean="0"/>
+              <a:rPr lang="en-GB" sz="4000" dirty="0"/>
               <a:t>Using </a:t>
             </a:r>
             <a:r>
-              <a:rPr lang="en-GB" sz="4000" b="1" dirty="0" smtClean="0"/>
+              <a:rPr lang="en-GB" sz="4000" b="1" dirty="0"/>
               <a:t>for</a:t>
             </a:r>
             <a:r>
-              <a:rPr lang="en-GB" sz="4000" dirty="0" smtClean="0"/>
+              <a:rPr lang="en-GB" sz="4000" dirty="0"/>
               <a:t> loop</a:t>
             </a:r>
-            <a:endParaRPr lang="en-GB" sz="4000" dirty="0"/>
           </a:p>
         </p:txBody>
       </p:sp>
@@ -4701,14 +4631,9 @@
           <a:lstStyle/>
           <a:p>
             <a:r>
-              <a:rPr lang="en-GB" dirty="0" smtClean="0"/>
-              <a:t>Functions </a:t>
-            </a:r>
-            <a:r>
               <a:rPr lang="en-GB" dirty="0"/>
-              <a:t>in Java (Methods)</a:t>
-            </a:r>
-            <a:endParaRPr lang="en-GB" dirty="0"/>
+              <a:t>Functions in Java (Methods)</a:t>
+            </a:r>
           </a:p>
         </p:txBody>
       </p:sp>
@@ -4736,7 +4661,6 @@
               <a:rPr lang="en-GB" dirty="0"/>
               <a:t>Functions, or methods in Java, are blocks of code that perform a specific task. They promote code modularity and reusability. </a:t>
             </a:r>
-            <a:endParaRPr lang="en-GB" dirty="0"/>
           </a:p>
         </p:txBody>
       </p:sp>
@@ -4810,10 +4734,9 @@
           <a:lstStyle/>
           <a:p>
             <a:r>
-              <a:rPr lang="en-GB" dirty="0" smtClean="0"/>
+              <a:rPr lang="en-GB" dirty="0"/>
               <a:t>Method Definition and use</a:t>
             </a:r>
-            <a:endParaRPr lang="en-GB" dirty="0"/>
           </a:p>
         </p:txBody>
       </p:sp>
@@ -4911,10 +4834,9 @@
           <a:lstStyle/>
           <a:p>
             <a:r>
-              <a:rPr lang="en-GB" dirty="0" smtClean="0"/>
+              <a:rPr lang="en-GB" dirty="0"/>
               <a:t>Exercise - Methods</a:t>
             </a:r>
-            <a:endParaRPr lang="en-GB" dirty="0"/>
           </a:p>
         </p:txBody>
       </p:sp>
@@ -4995,7 +4917,7 @@
               <a:tabLst/>
             </a:pPr>
             <a:r>
-              <a:rPr kumimoji="0" lang="en-US" altLang="en-US" sz="3600" b="0" i="0" u="none" strike="noStrike" cap="none" normalizeH="0" baseline="0" dirty="0" smtClean="0">
+              <a:rPr kumimoji="0" lang="en-US" altLang="en-US" sz="3600" b="0" i="0" u="none" strike="noStrike" cap="none" normalizeH="0" baseline="0" dirty="0">
                 <a:ln>
                   <a:noFill/>
                 </a:ln>
@@ -5008,7 +4930,7 @@
               <a:t>Create a method called </a:t>
             </a:r>
             <a:r>
-              <a:rPr kumimoji="0" lang="en-US" altLang="en-US" sz="3600" b="1" i="0" u="none" strike="noStrike" cap="none" normalizeH="0" baseline="0" dirty="0" err="1" smtClean="0">
+              <a:rPr kumimoji="0" lang="en-US" altLang="en-US" sz="3600" b="1" i="0" u="none" strike="noStrike" cap="none" normalizeH="0" baseline="0" dirty="0" err="1">
                 <a:ln>
                   <a:noFill/>
                 </a:ln>
@@ -5021,7 +4943,7 @@
               <a:t>calculateSquare</a:t>
             </a:r>
             <a:r>
-              <a:rPr kumimoji="0" lang="en-US" altLang="en-US" sz="3600" b="0" i="0" u="none" strike="noStrike" cap="none" normalizeH="0" baseline="0" dirty="0" smtClean="0">
+              <a:rPr kumimoji="0" lang="en-US" altLang="en-US" sz="3600" b="0" i="0" u="none" strike="noStrike" cap="none" normalizeH="0" baseline="0" dirty="0">
                 <a:ln>
                   <a:noFill/>
                 </a:ln>
@@ -5051,7 +4973,7 @@
               <a:buNone/>
               <a:tabLst/>
             </a:pPr>
-            <a:endParaRPr kumimoji="0" lang="en-US" altLang="en-US" sz="1800" b="0" i="0" u="none" strike="noStrike" cap="none" normalizeH="0" baseline="0" dirty="0" smtClean="0">
+            <a:endParaRPr kumimoji="0" lang="en-US" altLang="en-US" sz="1800" b="0" i="0" u="none" strike="noStrike" cap="none" normalizeH="0" baseline="0" dirty="0">
               <a:ln>
                 <a:noFill/>
               </a:ln>
@@ -5134,10 +5056,9 @@
           <a:lstStyle/>
           <a:p>
             <a:r>
-              <a:rPr lang="en-GB" dirty="0" smtClean="0"/>
+              <a:rPr lang="en-GB" dirty="0"/>
               <a:t>Solution - Methods</a:t>
             </a:r>
-            <a:endParaRPr lang="en-GB" dirty="0"/>
           </a:p>
         </p:txBody>
       </p:sp>
@@ -5210,10 +5131,9 @@
           <a:lstStyle/>
           <a:p>
             <a:r>
-              <a:rPr lang="en-GB" dirty="0" smtClean="0"/>
+              <a:rPr lang="en-GB" dirty="0"/>
               <a:t>Variables</a:t>
             </a:r>
-            <a:endParaRPr lang="en-GB" dirty="0"/>
           </a:p>
         </p:txBody>
       </p:sp>
@@ -5247,7 +5167,6 @@
               <a:rPr lang="en-GB" dirty="0"/>
               <a:t>, String) and can be used to represent various types of information.</a:t>
             </a:r>
-            <a:endParaRPr lang="en-GB" dirty="0"/>
           </a:p>
         </p:txBody>
       </p:sp>
@@ -5321,14 +5240,9 @@
           <a:lstStyle/>
           <a:p>
             <a:r>
-              <a:rPr lang="en-GB" dirty="0" smtClean="0"/>
-              <a:t>Understanding </a:t>
-            </a:r>
-            <a:r>
               <a:rPr lang="en-GB" dirty="0"/>
-              <a:t>the 'static' Keyword</a:t>
-            </a:r>
-            <a:endParaRPr lang="en-GB" dirty="0"/>
+              <a:t>Understanding the 'static' Keyword</a:t>
+            </a:r>
           </a:p>
         </p:txBody>
       </p:sp>
@@ -5359,7 +5273,6 @@
               <a:rPr lang="en-GB" dirty="0"/>
               <a:t>The 'static' keyword is used in Java for class-level elements. Static variables are shared among all instances of a class, and static methods belong to the class rather than an instance.</a:t>
             </a:r>
-            <a:endParaRPr lang="en-GB" dirty="0"/>
           </a:p>
         </p:txBody>
       </p:sp>
@@ -5417,7 +5330,6 @@
               <a:rPr lang="en-GB" dirty="0"/>
               <a:t>The Main Method in Java</a:t>
             </a:r>
-            <a:endParaRPr lang="en-GB" dirty="0"/>
           </a:p>
         </p:txBody>
       </p:sp>
@@ -5592,10 +5504,9 @@
           <a:lstStyle/>
           <a:p>
             <a:r>
-              <a:rPr lang="en-GB" dirty="0" smtClean="0"/>
+              <a:rPr lang="en-GB" dirty="0"/>
               <a:t>Arrays</a:t>
             </a:r>
-            <a:endParaRPr lang="en-GB" dirty="0"/>
           </a:p>
         </p:txBody>
       </p:sp>
@@ -5616,13 +5527,8 @@
           <a:p>
             <a:r>
               <a:rPr lang="en-GB" dirty="0"/>
-              <a:t>Arrays allow us to store multiple values of the same type under a single name</a:t>
-            </a:r>
-            <a:r>
-              <a:rPr lang="en-GB" dirty="0" smtClean="0"/>
-              <a:t>.</a:t>
-            </a:r>
-            <a:endParaRPr lang="en-GB" dirty="0"/>
+              <a:t>Arrays allow us to store multiple values of the same type under a single name.</a:t>
+            </a:r>
           </a:p>
         </p:txBody>
       </p:sp>
@@ -5718,10 +5624,9 @@
           <a:lstStyle/>
           <a:p>
             <a:r>
-              <a:rPr lang="en-GB" dirty="0" smtClean="0"/>
+              <a:rPr lang="en-GB" dirty="0"/>
               <a:t>Arrays Example</a:t>
             </a:r>
-            <a:endParaRPr lang="en-GB" dirty="0"/>
           </a:p>
         </p:txBody>
       </p:sp>
@@ -5795,10 +5700,9 @@
           <a:lstStyle/>
           <a:p>
             <a:r>
-              <a:rPr lang="en-GB" dirty="0" smtClean="0"/>
+              <a:rPr lang="en-GB" dirty="0"/>
               <a:t>Exercise - Array</a:t>
             </a:r>
-            <a:endParaRPr lang="en-GB" dirty="0"/>
           </a:p>
         </p:txBody>
       </p:sp>
@@ -5819,39 +5723,7 @@
           <a:p>
             <a:r>
               <a:rPr lang="en-GB" dirty="0"/>
-              <a:t>Declare an array of integers named numbers with values </a:t>
-            </a:r>
-            <a:r>
-              <a:rPr lang="en-GB" dirty="0" smtClean="0"/>
-              <a:t>10, 5, 12</a:t>
-            </a:r>
-            <a:r>
-              <a:rPr lang="en-GB" dirty="0"/>
-              <a:t>, </a:t>
-            </a:r>
-            <a:r>
-              <a:rPr lang="en-GB" dirty="0" smtClean="0"/>
-              <a:t>18</a:t>
-            </a:r>
-            <a:r>
-              <a:rPr lang="en-GB" dirty="0"/>
-              <a:t>, and </a:t>
-            </a:r>
-            <a:r>
-              <a:rPr lang="en-GB" dirty="0" smtClean="0"/>
-              <a:t>15</a:t>
-            </a:r>
-            <a:r>
-              <a:rPr lang="en-GB" dirty="0"/>
-              <a:t>. Write a loop to </a:t>
-            </a:r>
-            <a:r>
-              <a:rPr lang="en-GB" dirty="0" smtClean="0"/>
-              <a:t>print each of </a:t>
-            </a:r>
-            <a:r>
-              <a:rPr lang="en-GB" dirty="0"/>
-              <a:t>these numbers</a:t>
+              <a:t>Declare an array of integers named numbers with values 10, 5, 12, 18, and 15. Write a loop to print each of these numbers</a:t>
             </a:r>
           </a:p>
         </p:txBody>
@@ -5926,10 +5798,9 @@
           <a:lstStyle/>
           <a:p>
             <a:r>
-              <a:rPr lang="en-GB" dirty="0" smtClean="0"/>
+              <a:rPr lang="en-GB" dirty="0"/>
               <a:t>Solution - Array</a:t>
             </a:r>
-            <a:endParaRPr lang="en-GB" dirty="0"/>
           </a:p>
         </p:txBody>
       </p:sp>
@@ -6088,9 +5959,15 @@
       </p:sp>
       <p:pic>
         <p:nvPicPr>
-          <p:cNvPr id="3074" name="Picture 2" descr="Image result for questions"/>
+          <p:cNvPr id="3" name="Picture 2" descr="A green question mark in a circle&#10;&#10;AI-generated content may be incorrect.">
+            <a:extLst>
+              <a:ext uri="{FF2B5EF4-FFF2-40B4-BE49-F238E27FC236}">
+                <a16:creationId xmlns:a16="http://schemas.microsoft.com/office/drawing/2014/main" id="{D743BECD-56A4-3282-4939-E5617624E26C}"/>
+              </a:ext>
+            </a:extLst>
+          </p:cNvPr>
           <p:cNvPicPr>
-            <a:picLocks noChangeAspect="1" noChangeArrowheads="1"/>
+            <a:picLocks noChangeAspect="1"/>
           </p:cNvPicPr>
           <p:nvPr/>
         </p:nvPicPr>
@@ -6102,29 +5979,18 @@
               </a:ext>
             </a:extLst>
           </a:blip>
-          <a:srcRect/>
           <a:stretch>
             <a:fillRect/>
           </a:stretch>
         </p:blipFill>
-        <p:spPr bwMode="auto">
+        <p:spPr>
           <a:xfrm>
-            <a:off x="3810000" y="2057401"/>
-            <a:ext cx="4343400" cy="3509469"/>
+            <a:off x="3467100" y="800100"/>
+            <a:ext cx="5257800" cy="5257800"/>
           </a:xfrm>
           <a:prstGeom prst="rect">
             <a:avLst/>
           </a:prstGeom>
-          <a:noFill/>
-          <a:extLst>
-            <a:ext uri="{909E8E84-426E-40DD-AFC4-6F175D3DCCD1}">
-              <a14:hiddenFill xmlns:a14="http://schemas.microsoft.com/office/drawing/2010/main">
-                <a:solidFill>
-                  <a:srgbClr val="FFFFFF"/>
-                </a:solidFill>
-              </a14:hiddenFill>
-            </a:ext>
-          </a:extLst>
         </p:spPr>
       </p:pic>
     </p:spTree>
@@ -6173,10 +6039,9 @@
           <a:lstStyle/>
           <a:p>
             <a:r>
-              <a:rPr lang="en-GB" dirty="0" smtClean="0"/>
+              <a:rPr lang="en-GB" dirty="0"/>
               <a:t>Primitive Data Types</a:t>
             </a:r>
-            <a:endParaRPr lang="en-GB" dirty="0"/>
           </a:p>
         </p:txBody>
       </p:sp>
@@ -6384,7 +6249,7 @@
               <a:buNone/>
               <a:tabLst/>
             </a:pPr>
-            <a:endParaRPr kumimoji="0" lang="en-US" altLang="en-US" b="0" i="0" u="none" strike="noStrike" cap="none" normalizeH="0" baseline="0" dirty="0" smtClean="0">
+            <a:endParaRPr kumimoji="0" lang="en-US" altLang="en-US" b="0" i="0" u="none" strike="noStrike" cap="none" normalizeH="0" baseline="0" dirty="0">
               <a:ln>
                 <a:noFill/>
               </a:ln>
@@ -6413,7 +6278,7 @@
               <a:tabLst/>
             </a:pPr>
             <a:r>
-              <a:rPr kumimoji="0" lang="en-US" altLang="en-US" sz="2000" b="1" i="0" u="none" strike="noStrike" cap="none" normalizeH="0" baseline="0" dirty="0" smtClean="0">
+              <a:rPr kumimoji="0" lang="en-US" altLang="en-US" sz="2000" b="1" i="0" u="none" strike="noStrike" cap="none" normalizeH="0" baseline="0" dirty="0">
                 <a:ln>
                   <a:noFill/>
                 </a:ln>
@@ -6425,7 +6290,7 @@
               </a:rPr>
               <a:t>byte:</a:t>
             </a:r>
-            <a:endParaRPr kumimoji="0" lang="en-US" altLang="en-US" sz="2000" b="0" i="0" u="none" strike="noStrike" cap="none" normalizeH="0" baseline="0" dirty="0" smtClean="0">
+            <a:endParaRPr kumimoji="0" lang="en-US" altLang="en-US" sz="2000" b="0" i="0" u="none" strike="noStrike" cap="none" normalizeH="0" baseline="0" dirty="0">
               <a:ln>
                 <a:noFill/>
               </a:ln>
@@ -6454,7 +6319,7 @@
               <a:tabLst/>
             </a:pPr>
             <a:r>
-              <a:rPr kumimoji="0" lang="en-US" altLang="en-US" sz="2000" b="0" i="0" u="none" strike="noStrike" cap="none" normalizeH="0" baseline="0" dirty="0" smtClean="0">
+              <a:rPr kumimoji="0" lang="en-US" altLang="en-US" sz="2000" b="0" i="0" u="none" strike="noStrike" cap="none" normalizeH="0" baseline="0" dirty="0">
                 <a:ln>
                   <a:noFill/>
                 </a:ln>
@@ -6485,7 +6350,7 @@
               <a:tabLst/>
             </a:pPr>
             <a:r>
-              <a:rPr kumimoji="0" lang="en-US" altLang="en-US" sz="2000" b="0" i="0" u="none" strike="noStrike" cap="none" normalizeH="0" baseline="0" dirty="0" smtClean="0">
+              <a:rPr kumimoji="0" lang="en-US" altLang="en-US" sz="2000" b="0" i="0" u="none" strike="noStrike" cap="none" normalizeH="0" baseline="0" dirty="0">
                 <a:ln>
                   <a:noFill/>
                 </a:ln>
@@ -6516,7 +6381,7 @@
               <a:tabLst/>
             </a:pPr>
             <a:r>
-              <a:rPr kumimoji="0" lang="en-US" altLang="en-US" sz="2000" b="1" i="0" u="none" strike="noStrike" cap="none" normalizeH="0" baseline="0" dirty="0" smtClean="0">
+              <a:rPr kumimoji="0" lang="en-US" altLang="en-US" sz="2000" b="1" i="0" u="none" strike="noStrike" cap="none" normalizeH="0" baseline="0" dirty="0">
                 <a:ln>
                   <a:noFill/>
                 </a:ln>
@@ -6528,7 +6393,7 @@
               </a:rPr>
               <a:t>short:</a:t>
             </a:r>
-            <a:endParaRPr kumimoji="0" lang="en-US" altLang="en-US" sz="2000" b="0" i="0" u="none" strike="noStrike" cap="none" normalizeH="0" baseline="0" dirty="0" smtClean="0">
+            <a:endParaRPr kumimoji="0" lang="en-US" altLang="en-US" sz="2000" b="0" i="0" u="none" strike="noStrike" cap="none" normalizeH="0" baseline="0" dirty="0">
               <a:ln>
                 <a:noFill/>
               </a:ln>
@@ -6557,7 +6422,7 @@
               <a:tabLst/>
             </a:pPr>
             <a:r>
-              <a:rPr kumimoji="0" lang="en-US" altLang="en-US" sz="2000" b="0" i="0" u="none" strike="noStrike" cap="none" normalizeH="0" baseline="0" dirty="0" smtClean="0">
+              <a:rPr kumimoji="0" lang="en-US" altLang="en-US" sz="2000" b="0" i="0" u="none" strike="noStrike" cap="none" normalizeH="0" baseline="0" dirty="0">
                 <a:ln>
                   <a:noFill/>
                 </a:ln>
@@ -6588,7 +6453,7 @@
               <a:tabLst/>
             </a:pPr>
             <a:r>
-              <a:rPr kumimoji="0" lang="en-US" altLang="en-US" sz="2000" b="0" i="0" u="none" strike="noStrike" cap="none" normalizeH="0" baseline="0" dirty="0" smtClean="0">
+              <a:rPr kumimoji="0" lang="en-US" altLang="en-US" sz="2000" b="0" i="0" u="none" strike="noStrike" cap="none" normalizeH="0" baseline="0" dirty="0">
                 <a:ln>
                   <a:noFill/>
                 </a:ln>
@@ -6619,7 +6484,7 @@
               <a:tabLst/>
             </a:pPr>
             <a:r>
-              <a:rPr kumimoji="0" lang="en-US" altLang="en-US" sz="2000" b="1" i="0" u="none" strike="noStrike" cap="none" normalizeH="0" baseline="0" dirty="0" err="1" smtClean="0">
+              <a:rPr kumimoji="0" lang="en-US" altLang="en-US" sz="2000" b="1" i="0" u="none" strike="noStrike" cap="none" normalizeH="0" baseline="0" dirty="0" err="1">
                 <a:ln>
                   <a:noFill/>
                 </a:ln>
@@ -6632,7 +6497,7 @@
               <a:t>int</a:t>
             </a:r>
             <a:r>
-              <a:rPr kumimoji="0" lang="en-US" altLang="en-US" sz="2000" b="1" i="0" u="none" strike="noStrike" cap="none" normalizeH="0" baseline="0" dirty="0" smtClean="0">
+              <a:rPr kumimoji="0" lang="en-US" altLang="en-US" sz="2000" b="1" i="0" u="none" strike="noStrike" cap="none" normalizeH="0" baseline="0" dirty="0">
                 <a:ln>
                   <a:noFill/>
                 </a:ln>
@@ -6644,7 +6509,7 @@
               </a:rPr>
               <a:t>:</a:t>
             </a:r>
-            <a:endParaRPr kumimoji="0" lang="en-US" altLang="en-US" sz="2000" b="0" i="0" u="none" strike="noStrike" cap="none" normalizeH="0" baseline="0" dirty="0" smtClean="0">
+            <a:endParaRPr kumimoji="0" lang="en-US" altLang="en-US" sz="2000" b="0" i="0" u="none" strike="noStrike" cap="none" normalizeH="0" baseline="0" dirty="0">
               <a:ln>
                 <a:noFill/>
               </a:ln>
@@ -6673,7 +6538,7 @@
               <a:tabLst/>
             </a:pPr>
             <a:r>
-              <a:rPr kumimoji="0" lang="en-US" altLang="en-US" sz="2000" b="0" i="0" u="none" strike="noStrike" cap="none" normalizeH="0" baseline="0" dirty="0" smtClean="0">
+              <a:rPr kumimoji="0" lang="en-US" altLang="en-US" sz="2000" b="0" i="0" u="none" strike="noStrike" cap="none" normalizeH="0" baseline="0" dirty="0">
                 <a:ln>
                   <a:noFill/>
                 </a:ln>
@@ -6704,7 +6569,7 @@
               <a:tabLst/>
             </a:pPr>
             <a:r>
-              <a:rPr kumimoji="0" lang="en-US" altLang="en-US" sz="2000" b="0" i="0" u="none" strike="noStrike" cap="none" normalizeH="0" baseline="0" dirty="0" smtClean="0">
+              <a:rPr kumimoji="0" lang="en-US" altLang="en-US" sz="2000" b="0" i="0" u="none" strike="noStrike" cap="none" normalizeH="0" baseline="0" dirty="0">
                 <a:ln>
                   <a:noFill/>
                 </a:ln>
@@ -6735,7 +6600,7 @@
               <a:tabLst/>
             </a:pPr>
             <a:r>
-              <a:rPr kumimoji="0" lang="en-US" altLang="en-US" sz="2000" b="1" i="0" u="none" strike="noStrike" cap="none" normalizeH="0" baseline="0" dirty="0" smtClean="0">
+              <a:rPr kumimoji="0" lang="en-US" altLang="en-US" sz="2000" b="1" i="0" u="none" strike="noStrike" cap="none" normalizeH="0" baseline="0" dirty="0">
                 <a:ln>
                   <a:noFill/>
                 </a:ln>
@@ -6747,7 +6612,7 @@
               </a:rPr>
               <a:t>long:</a:t>
             </a:r>
-            <a:endParaRPr kumimoji="0" lang="en-US" altLang="en-US" sz="2000" b="0" i="0" u="none" strike="noStrike" cap="none" normalizeH="0" baseline="0" dirty="0" smtClean="0">
+            <a:endParaRPr kumimoji="0" lang="en-US" altLang="en-US" sz="2000" b="0" i="0" u="none" strike="noStrike" cap="none" normalizeH="0" baseline="0" dirty="0">
               <a:ln>
                 <a:noFill/>
               </a:ln>
@@ -6776,7 +6641,7 @@
               <a:tabLst/>
             </a:pPr>
             <a:r>
-              <a:rPr kumimoji="0" lang="en-US" altLang="en-US" sz="2000" b="0" i="0" u="none" strike="noStrike" cap="none" normalizeH="0" baseline="0" dirty="0" smtClean="0">
+              <a:rPr kumimoji="0" lang="en-US" altLang="en-US" sz="2000" b="0" i="0" u="none" strike="noStrike" cap="none" normalizeH="0" baseline="0" dirty="0">
                 <a:ln>
                   <a:noFill/>
                 </a:ln>
@@ -6807,7 +6672,7 @@
               <a:tabLst/>
             </a:pPr>
             <a:r>
-              <a:rPr kumimoji="0" lang="en-US" altLang="en-US" sz="2000" b="0" i="0" u="none" strike="noStrike" cap="none" normalizeH="0" baseline="0" dirty="0" smtClean="0">
+              <a:rPr kumimoji="0" lang="en-US" altLang="en-US" sz="2000" b="0" i="0" u="none" strike="noStrike" cap="none" normalizeH="0" baseline="0" dirty="0">
                 <a:ln>
                   <a:noFill/>
                 </a:ln>
@@ -7139,22 +7004,13 @@
               <a:buChar char="•"/>
             </a:pPr>
             <a:r>
-              <a:rPr lang="en-US" altLang="en-US" sz="2000" dirty="0" smtClean="0">
+              <a:rPr lang="en-US" altLang="en-US" sz="2000" dirty="0">
                 <a:solidFill>
                   <a:srgbClr val="374151"/>
                 </a:solidFill>
                 <a:latin typeface="Söhne"/>
               </a:rPr>
-              <a:t>Represents </a:t>
-            </a:r>
-            <a:r>
-              <a:rPr lang="en-US" altLang="en-US" sz="2000" dirty="0">
-                <a:solidFill>
-                  <a:srgbClr val="374151"/>
-                </a:solidFill>
-                <a:latin typeface="Söhne"/>
-              </a:rPr>
-              <a:t>true or false</a:t>
+              <a:t>Represents true or false</a:t>
             </a:r>
           </a:p>
         </p:txBody>
@@ -7258,10 +7114,9 @@
           <a:lstStyle/>
           <a:p>
             <a:r>
-              <a:rPr lang="en-GB" dirty="0" smtClean="0"/>
+              <a:rPr lang="en-GB" dirty="0"/>
               <a:t>Code Example</a:t>
             </a:r>
-            <a:endParaRPr lang="en-GB" dirty="0"/>
           </a:p>
         </p:txBody>
       </p:sp>
@@ -7334,10 +7189,9 @@
           <a:lstStyle/>
           <a:p>
             <a:r>
-              <a:rPr lang="en-GB" dirty="0" smtClean="0"/>
+              <a:rPr lang="en-GB" dirty="0"/>
               <a:t>Variable Exercise</a:t>
             </a:r>
-            <a:endParaRPr lang="en-GB" dirty="0"/>
           </a:p>
         </p:txBody>
       </p:sp>
@@ -7418,7 +7272,7 @@
               <a:buNone/>
               <a:tabLst/>
             </a:pPr>
-            <a:endParaRPr kumimoji="0" lang="en-US" altLang="en-US" sz="1800" b="0" i="0" u="none" strike="noStrike" cap="none" normalizeH="0" baseline="0" dirty="0" smtClean="0">
+            <a:endParaRPr kumimoji="0" lang="en-US" altLang="en-US" sz="1800" b="0" i="0" u="none" strike="noStrike" cap="none" normalizeH="0" baseline="0" dirty="0">
               <a:ln>
                 <a:noFill/>
               </a:ln>
@@ -7439,7 +7293,7 @@
               </a:spcAft>
             </a:pPr>
             <a:r>
-              <a:rPr kumimoji="0" lang="en-US" altLang="en-US" b="0" i="0" u="none" strike="noStrike" cap="none" normalizeH="0" baseline="0" dirty="0" smtClean="0">
+              <a:rPr kumimoji="0" lang="en-US" altLang="en-US" b="0" i="0" u="none" strike="noStrike" cap="none" normalizeH="0" baseline="0" dirty="0">
                 <a:ln>
                   <a:noFill/>
                 </a:ln>
@@ -7452,7 +7306,7 @@
               <a:t>Declare an integer variable named </a:t>
             </a:r>
             <a:r>
-              <a:rPr kumimoji="0" lang="en-US" altLang="en-US" b="1" i="0" u="none" strike="noStrike" cap="none" normalizeH="0" baseline="0" dirty="0" err="1" smtClean="0">
+              <a:rPr kumimoji="0" lang="en-US" altLang="en-US" b="1" i="0" u="none" strike="noStrike" cap="none" normalizeH="0" baseline="0" dirty="0" err="1">
                 <a:ln>
                   <a:noFill/>
                 </a:ln>
@@ -7465,7 +7319,7 @@
               <a:t>myAge</a:t>
             </a:r>
             <a:r>
-              <a:rPr kumimoji="0" lang="en-US" altLang="en-US" b="0" i="0" u="none" strike="noStrike" cap="none" normalizeH="0" baseline="0" dirty="0" smtClean="0">
+              <a:rPr kumimoji="0" lang="en-US" altLang="en-US" b="0" i="0" u="none" strike="noStrike" cap="none" normalizeH="0" baseline="0" dirty="0">
                 <a:ln>
                   <a:noFill/>
                 </a:ln>
@@ -7478,7 +7332,7 @@
               <a:t> and </a:t>
             </a:r>
             <a:r>
-              <a:rPr kumimoji="0" lang="en-US" altLang="en-US" b="0" i="0" u="none" strike="noStrike" cap="none" normalizeH="0" baseline="0" dirty="0" err="1" smtClean="0">
+              <a:rPr kumimoji="0" lang="en-US" altLang="en-US" b="0" i="0" u="none" strike="noStrike" cap="none" normalizeH="0" baseline="0" dirty="0" err="1">
                 <a:ln>
                   <a:noFill/>
                 </a:ln>
@@ -7491,7 +7345,7 @@
               <a:t>initialise</a:t>
             </a:r>
             <a:r>
-              <a:rPr kumimoji="0" lang="en-US" altLang="en-US" b="0" i="0" u="none" strike="noStrike" cap="none" normalizeH="0" baseline="0" dirty="0" smtClean="0">
+              <a:rPr kumimoji="0" lang="en-US" altLang="en-US" b="0" i="0" u="none" strike="noStrike" cap="none" normalizeH="0" baseline="0" dirty="0">
                 <a:ln>
                   <a:noFill/>
                 </a:ln>
@@ -7521,7 +7375,7 @@
               <a:buChar char="•"/>
               <a:tabLst/>
             </a:pPr>
-            <a:endParaRPr kumimoji="0" lang="en-US" altLang="en-US" b="0" i="0" u="none" strike="noStrike" cap="none" normalizeH="0" baseline="0" dirty="0" smtClean="0">
+            <a:endParaRPr kumimoji="0" lang="en-US" altLang="en-US" b="0" i="0" u="none" strike="noStrike" cap="none" normalizeH="0" baseline="0" dirty="0">
               <a:ln>
                 <a:noFill/>
               </a:ln>
@@ -7542,7 +7396,7 @@
               </a:spcAft>
             </a:pPr>
             <a:r>
-              <a:rPr kumimoji="0" lang="en-US" altLang="en-US" b="0" i="0" u="none" strike="noStrike" cap="none" normalizeH="0" baseline="0" dirty="0" smtClean="0">
+              <a:rPr kumimoji="0" lang="en-US" altLang="en-US" b="0" i="0" u="none" strike="noStrike" cap="none" normalizeH="0" baseline="0" dirty="0">
                 <a:ln>
                   <a:noFill/>
                 </a:ln>
@@ -7555,7 +7409,7 @@
               <a:t>Declare a String variable named </a:t>
             </a:r>
             <a:r>
-              <a:rPr kumimoji="0" lang="en-US" altLang="en-US" b="1" i="0" u="none" strike="noStrike" cap="none" normalizeH="0" baseline="0" dirty="0" err="1" smtClean="0">
+              <a:rPr kumimoji="0" lang="en-US" altLang="en-US" b="1" i="0" u="none" strike="noStrike" cap="none" normalizeH="0" baseline="0" dirty="0" err="1">
                 <a:ln>
                   <a:noFill/>
                 </a:ln>
@@ -7568,7 +7422,7 @@
               <a:t>myName</a:t>
             </a:r>
             <a:r>
-              <a:rPr kumimoji="0" lang="en-US" altLang="en-US" b="0" i="0" u="none" strike="noStrike" cap="none" normalizeH="0" baseline="0" dirty="0" smtClean="0">
+              <a:rPr kumimoji="0" lang="en-US" altLang="en-US" b="0" i="0" u="none" strike="noStrike" cap="none" normalizeH="0" baseline="0" dirty="0">
                 <a:ln>
                   <a:noFill/>
                 </a:ln>
@@ -7581,7 +7435,7 @@
               <a:t> and </a:t>
             </a:r>
             <a:r>
-              <a:rPr kumimoji="0" lang="en-US" altLang="en-US" b="0" i="0" u="none" strike="noStrike" cap="none" normalizeH="0" baseline="0" dirty="0" err="1" smtClean="0">
+              <a:rPr kumimoji="0" lang="en-US" altLang="en-US" b="0" i="0" u="none" strike="noStrike" cap="none" normalizeH="0" baseline="0" dirty="0" err="1">
                 <a:ln>
                   <a:noFill/>
                 </a:ln>
@@ -7594,7 +7448,7 @@
               <a:t>initialise</a:t>
             </a:r>
             <a:r>
-              <a:rPr kumimoji="0" lang="en-US" altLang="en-US" b="0" i="0" u="none" strike="noStrike" cap="none" normalizeH="0" baseline="0" dirty="0" smtClean="0">
+              <a:rPr kumimoji="0" lang="en-US" altLang="en-US" b="0" i="0" u="none" strike="noStrike" cap="none" normalizeH="0" baseline="0" dirty="0">
                 <a:ln>
                   <a:noFill/>
                 </a:ln>
@@ -7624,7 +7478,7 @@
               <a:buChar char="•"/>
               <a:tabLst/>
             </a:pPr>
-            <a:endParaRPr kumimoji="0" lang="en-US" altLang="en-US" b="0" i="0" u="none" strike="noStrike" cap="none" normalizeH="0" baseline="0" dirty="0" smtClean="0">
+            <a:endParaRPr kumimoji="0" lang="en-US" altLang="en-US" b="0" i="0" u="none" strike="noStrike" cap="none" normalizeH="0" baseline="0" dirty="0">
               <a:ln>
                 <a:noFill/>
               </a:ln>
@@ -7645,7 +7499,7 @@
               </a:spcAft>
             </a:pPr>
             <a:r>
-              <a:rPr kumimoji="0" lang="en-US" altLang="en-US" b="0" i="0" u="none" strike="noStrike" cap="none" normalizeH="0" baseline="0" dirty="0" smtClean="0">
+              <a:rPr kumimoji="0" lang="en-US" altLang="en-US" b="0" i="0" u="none" strike="noStrike" cap="none" normalizeH="0" baseline="0" dirty="0">
                 <a:ln>
                   <a:noFill/>
                 </a:ln>
@@ -7675,7 +7529,7 @@
               <a:buNone/>
               <a:tabLst/>
             </a:pPr>
-            <a:endParaRPr kumimoji="0" lang="en-US" altLang="en-US" sz="1800" b="0" i="0" u="none" strike="noStrike" cap="none" normalizeH="0" baseline="0" dirty="0" smtClean="0">
+            <a:endParaRPr kumimoji="0" lang="en-US" altLang="en-US" sz="1800" b="0" i="0" u="none" strike="noStrike" cap="none" normalizeH="0" baseline="0" dirty="0">
               <a:ln>
                 <a:noFill/>
               </a:ln>
@@ -7734,10 +7588,9 @@
           <a:lstStyle/>
           <a:p>
             <a:r>
-              <a:rPr lang="en-GB" dirty="0" smtClean="0"/>
+              <a:rPr lang="en-GB" dirty="0"/>
               <a:t>Variable Solution</a:t>
             </a:r>
-            <a:endParaRPr lang="en-GB" dirty="0"/>
           </a:p>
         </p:txBody>
       </p:sp>
@@ -7834,11 +7687,7 @@
           <a:p>
             <a:r>
               <a:rPr lang="en-GB" dirty="0"/>
-              <a:t>The 'if' statement allows us to make decisions in our code based on conditions. If a condition is true, one set of statements executes; otherwise, another set executes</a:t>
-            </a:r>
-            <a:r>
-              <a:rPr lang="en-GB" dirty="0" smtClean="0"/>
-              <a:t>.</a:t>
+              <a:t>The 'if' statement allows us to make decisions in our code based on conditions. If a condition is true, one set of statements executes; otherwise, another set executes.</a:t>
             </a:r>
           </a:p>
           <a:p>
@@ -7916,10 +7765,9 @@
           <a:lstStyle/>
           <a:p>
             <a:r>
-              <a:rPr lang="en-GB" dirty="0" smtClean="0"/>
+              <a:rPr lang="en-GB" dirty="0"/>
               <a:t>Exercise – if statement</a:t>
             </a:r>
-            <a:endParaRPr lang="en-GB" dirty="0"/>
           </a:p>
         </p:txBody>
       </p:sp>
@@ -7952,7 +7800,6 @@
               <a:rPr lang="en-GB" sz="3600" dirty="0"/>
               <a:t>Write a Java program that takes a user's age as input and prints "You are a minor" if the age is less than 18; otherwise, print "You are an adult."</a:t>
             </a:r>
-            <a:endParaRPr lang="en-GB" sz="3600" dirty="0"/>
           </a:p>
         </p:txBody>
       </p:sp>
@@ -8078,10 +7925,9 @@
           <a:lstStyle/>
           <a:p>
             <a:r>
-              <a:rPr lang="en-GB" dirty="0" smtClean="0"/>
+              <a:rPr lang="en-GB" dirty="0"/>
               <a:t>Solution – if statement</a:t>
             </a:r>
-            <a:endParaRPr lang="en-GB" dirty="0"/>
           </a:p>
         </p:txBody>
       </p:sp>
